--- a/cover.pptx
+++ b/cover.pptx
@@ -655,7 +655,7 @@
         <p:spPr>
           <a:xfrm>
             <a:off x="332656" y="1280592"/>
-            <a:ext cx="461665" cy="2169825"/>
+            <a:ext cx="461665" cy="5863144"/>
           </a:xfrm>
           <a:prstGeom prst="rect">
             <a:avLst/>
@@ -670,7 +670,7 @@
           <a:p>
             <a:r>
               <a:rPr lang="ja-JP" altLang="en-US" dirty="0"/>
-              <a:t>卒業論文のタイトル</a:t>
+              <a:t>ゼロインテリジェンストレーダーによる資産変動の再現</a:t>
             </a:r>
           </a:p>
         </p:txBody>
@@ -704,10 +704,9 @@
           <a:lstStyle/>
           <a:p>
             <a:r>
-              <a:rPr lang="ja-JP" altLang="en-US" dirty="0"/>
-              <a:t>卒論太郎</a:t>
+              <a:rPr lang="ja-JP" altLang="en-US" sz="1800" dirty="0"/>
+              <a:t>深瀬遥斗</a:t>
             </a:r>
-            <a:endParaRPr lang="ja-JP" altLang="en-US" sz="1800" dirty="0"/>
           </a:p>
         </p:txBody>
       </p:sp>
@@ -726,7 +725,7 @@
         <p:spPr>
           <a:xfrm>
             <a:off x="2690759" y="2720752"/>
-            <a:ext cx="2274982" cy="369332"/>
+            <a:ext cx="2268570" cy="369332"/>
           </a:xfrm>
           <a:prstGeom prst="rect">
             <a:avLst/>
@@ -745,7 +744,7 @@
             </a:r>
             <a:r>
               <a:rPr kumimoji="1" lang="en-US" altLang="ja-JP" dirty="0"/>
-              <a:t>20XX</a:t>
+              <a:t>2024</a:t>
             </a:r>
             <a:r>
               <a:rPr kumimoji="1" lang="ja-JP" altLang="en-US" dirty="0"/>
@@ -769,7 +768,7 @@
         <p:spPr>
           <a:xfrm>
             <a:off x="1268760" y="3872880"/>
-            <a:ext cx="5112568" cy="400110"/>
+            <a:ext cx="4968549" cy="707886"/>
           </a:xfrm>
           <a:prstGeom prst="rect">
             <a:avLst/>
@@ -783,12 +782,9 @@
           <a:p>
             <a:pPr algn="ctr"/>
             <a:r>
-              <a:rPr lang="ja-JP" altLang="en-US" sz="2000" dirty="0">
-                <a:latin typeface="HaranoAjiMincho-Regular-Identity-H"/>
-              </a:rPr>
-              <a:t>卒業論文のタイトル</a:t>
+              <a:rPr lang="ja-JP" altLang="en-US" sz="2000" dirty="0"/>
+              <a:t>ゼロインテリジェンストレーダーによる資産変動の再現</a:t>
             </a:r>
-            <a:endParaRPr lang="ja-JP" altLang="en-US" sz="2000" dirty="0"/>
           </a:p>
         </p:txBody>
       </p:sp>
@@ -877,7 +873,7 @@
         <p:spPr>
           <a:xfrm>
             <a:off x="2776520" y="7905328"/>
-            <a:ext cx="2122697" cy="369332"/>
+            <a:ext cx="2097049" cy="369332"/>
           </a:xfrm>
           <a:prstGeom prst="rect">
             <a:avLst/>
@@ -896,7 +892,7 @@
             </a:r>
             <a:r>
               <a:rPr kumimoji="1" lang="en-US" altLang="ja-JP" dirty="0"/>
-              <a:t> XXXXXXXX</a:t>
+              <a:t> 62116135</a:t>
             </a:r>
             <a:endParaRPr lang="ja-JP" altLang="en-US" dirty="0"/>
           </a:p>
@@ -931,7 +927,7 @@
           <a:p>
             <a:r>
               <a:rPr lang="ja-JP" altLang="en-US" sz="3200" dirty="0"/>
-              <a:t>卒論太郎</a:t>
+              <a:t>深瀬遥斗</a:t>
             </a:r>
           </a:p>
         </p:txBody>

--- a/cover.pptx
+++ b/cover.pptx
@@ -655,7 +655,7 @@
         <p:spPr>
           <a:xfrm>
             <a:off x="332656" y="1280592"/>
-            <a:ext cx="461665" cy="5863144"/>
+            <a:ext cx="461665" cy="5439951"/>
           </a:xfrm>
           <a:prstGeom prst="rect">
             <a:avLst/>
@@ -669,7 +669,10 @@
           <a:lstStyle/>
           <a:p>
             <a:r>
-              <a:rPr lang="ja-JP" altLang="en-US" dirty="0"/>
+              <a:rPr lang="ja-JP" altLang="en-US" dirty="0">
+                <a:latin typeface="MS PGothic" panose="020B0600070205080204" pitchFamily="34" charset="-128"/>
+                <a:ea typeface="MS PGothic" panose="020B0600070205080204" pitchFamily="34" charset="-128"/>
+              </a:rPr>
               <a:t>ゼロインテリジェンストレーダーによる資産変動の再現</a:t>
             </a:r>
           </a:p>
